--- a/PROJ_DOC/MAN02.일정관리/shutdown_일간보고_20170705v0.1.pptx
+++ b/PROJ_DOC/MAN02.일정관리/shutdown_일간보고_20170705v0.1.pptx
@@ -117,7 +117,7 @@
   </p:defaultTextStyle>
   <p:extLst>
     <p:ext uri="{EFAFB233-063F-42B5-8137-9DF3F51BA10A}">
-      <p15:sldGuideLst xmlns:p15="http://schemas.microsoft.com/office/powerpoint/2012/main">
+      <p15:sldGuideLst xmlns:p15="http://schemas.microsoft.com/office/powerpoint/2012/main" xmlns="">
         <p15:guide id="1" orient="horz" pos="1800" userDrawn="1">
           <p15:clr>
             <a:srgbClr val="A4A3A4"/>
@@ -131,7 +131,7 @@
       </p15:sldGuideLst>
     </p:ext>
     <p:ext uri="{2D200454-40CA-4A62-9FC3-DE9A4176ACB9}">
-      <p15:notesGuideLst xmlns:p15="http://schemas.microsoft.com/office/powerpoint/2012/main"/>
+      <p15:notesGuideLst xmlns:p15="http://schemas.microsoft.com/office/powerpoint/2012/main" xmlns=""/>
     </p:ext>
   </p:extLst>
 </p:presentation>
@@ -752,7 +752,7 @@
   </p:clrMapOvr>
   <p:extLst>
     <p:ext uri="{DCECCB84-F9BA-43D5-87BE-67443E8EF086}">
-      <p15:sldGuideLst xmlns:p15="http://schemas.microsoft.com/office/powerpoint/2012/main">
+      <p15:sldGuideLst xmlns:p15="http://schemas.microsoft.com/office/powerpoint/2012/main" xmlns="">
         <p15:guide id="1" orient="horz" pos="1800" userDrawn="1">
           <p15:clr>
             <a:srgbClr val="FBAE40"/>
@@ -1104,7 +1104,7 @@
   </p:clrMapOvr>
   <p:extLst mod="1">
     <p:ext uri="{DCECCB84-F9BA-43D5-87BE-67443E8EF086}">
-      <p15:sldGuideLst xmlns:p15="http://schemas.microsoft.com/office/powerpoint/2012/main">
+      <p15:sldGuideLst xmlns:p15="http://schemas.microsoft.com/office/powerpoint/2012/main" xmlns="">
         <p15:guide id="1" orient="horz" pos="1800" userDrawn="1">
           <p15:clr>
             <a:srgbClr val="FBAE40"/>
@@ -1793,7 +1793,7 @@
   </p:clrMapOvr>
   <p:extLst mod="1">
     <p:ext uri="{DCECCB84-F9BA-43D5-87BE-67443E8EF086}">
-      <p15:sldGuideLst xmlns:p15="http://schemas.microsoft.com/office/powerpoint/2012/main">
+      <p15:sldGuideLst xmlns:p15="http://schemas.microsoft.com/office/powerpoint/2012/main" xmlns="">
         <p15:guide id="1" orient="horz" pos="1800" userDrawn="1">
           <p15:clr>
             <a:srgbClr val="FBAE40"/>
@@ -1985,7 +1985,7 @@
   </p:clrMapOvr>
   <p:extLst>
     <p:ext uri="{DCECCB84-F9BA-43D5-87BE-67443E8EF086}">
-      <p15:sldGuideLst xmlns:p15="http://schemas.microsoft.com/office/powerpoint/2012/main">
+      <p15:sldGuideLst xmlns:p15="http://schemas.microsoft.com/office/powerpoint/2012/main" xmlns="">
         <p15:guide id="1" orient="horz" pos="1800">
           <p15:clr>
             <a:srgbClr val="FBAE40"/>
@@ -3101,7 +3101,7 @@
           <a:p>
             <a:r>
               <a:rPr lang="en-US" altLang="ko-KR" sz="1800" b="1" dirty="0" smtClean="0"/>
-              <a:t>TODAY GOALS</a:t>
+              <a:t>OBJECTIVE</a:t>
             </a:r>
             <a:r>
               <a:rPr lang="en-US" altLang="ko-KR" sz="1800" dirty="0" smtClean="0">
@@ -3520,7 +3520,7 @@
           <a:p>
             <a:r>
               <a:rPr lang="en-US" altLang="ko-KR" sz="1800" b="1" dirty="0" smtClean="0"/>
-              <a:t>ING</a:t>
+              <a:t>MATTERS OF PROGRESS</a:t>
             </a:r>
             <a:r>
               <a:rPr lang="en-US" altLang="ko-KR" sz="1800" dirty="0" smtClean="0">
@@ -3540,7 +3540,16 @@
                 </a:solidFill>
                 <a:latin typeface="Agency FB" panose="020B0503020202020204" pitchFamily="34" charset="0"/>
               </a:rPr>
-              <a:t>현재 진행 상황</a:t>
+              <a:t>현재 </a:t>
+            </a:r>
+            <a:r>
+              <a:rPr lang="ko-KR" altLang="en-US" sz="2500" b="1" dirty="0" smtClean="0">
+                <a:solidFill>
+                  <a:srgbClr val="FF0000"/>
+                </a:solidFill>
+                <a:latin typeface="Agency FB" panose="020B0503020202020204" pitchFamily="34" charset="0"/>
+              </a:rPr>
+              <a:t>진행 상황</a:t>
             </a:r>
             <a:endParaRPr lang="ko-KR" altLang="en-US" sz="2500" b="1" dirty="0">
               <a:solidFill>
@@ -4019,7 +4028,11 @@
           <a:p>
             <a:r>
               <a:rPr lang="en-US" altLang="ko-KR" sz="1800" b="1" dirty="0" smtClean="0"/>
-              <a:t>NEXT GOALS</a:t>
+              <a:t>FUTURE </a:t>
+            </a:r>
+            <a:r>
+              <a:rPr lang="en-US" altLang="ko-KR" sz="1800" b="1" dirty="0" smtClean="0"/>
+              <a:t>GOALS</a:t>
             </a:r>
             <a:r>
               <a:rPr lang="en-US" altLang="ko-KR" sz="1800" dirty="0" smtClean="0">
@@ -4698,7 +4711,7 @@
   <a:extraClrSchemeLst/>
   <a:extLst>
     <a:ext uri="{05A4C25C-085E-4340-85A3-A5531E510DB2}">
-      <thm15:themeFamily xmlns:thm15="http://schemas.microsoft.com/office/thememl/2012/main" name="Office Theme" id="{62F939B6-93AF-4DB8-9C6B-D6C7DFDC589F}" vid="{4A3C46E8-61CC-4603-A589-7422A47A8E4A}"/>
+      <thm15:themeFamily xmlns:thm15="http://schemas.microsoft.com/office/thememl/2012/main" xmlns="" name="Office Theme" id="{62F939B6-93AF-4DB8-9C6B-D6C7DFDC589F}" vid="{4A3C46E8-61CC-4603-A589-7422A47A8E4A}"/>
     </a:ext>
   </a:extLst>
 </a:theme>
@@ -4959,7 +4972,7 @@
   <a:extraClrSchemeLst/>
   <a:extLst>
     <a:ext uri="{05A4C25C-085E-4340-85A3-A5531E510DB2}">
-      <thm15:themeFamily xmlns:thm15="http://schemas.microsoft.com/office/thememl/2012/main" name="Office Theme" id="{62F939B6-93AF-4DB8-9C6B-D6C7DFDC589F}" vid="{4A3C46E8-61CC-4603-A589-7422A47A8E4A}"/>
+      <thm15:themeFamily xmlns:thm15="http://schemas.microsoft.com/office/thememl/2012/main" xmlns="" name="Office Theme" id="{62F939B6-93AF-4DB8-9C6B-D6C7DFDC589F}" vid="{4A3C46E8-61CC-4603-A589-7422A47A8E4A}"/>
     </a:ext>
   </a:extLst>
 </a:theme>
@@ -5220,7 +5233,7 @@
   <a:extraClrSchemeLst/>
   <a:extLst>
     <a:ext uri="{05A4C25C-085E-4340-85A3-A5531E510DB2}">
-      <thm15:themeFamily xmlns:thm15="http://schemas.microsoft.com/office/thememl/2012/main" name="Office Theme" id="{62F939B6-93AF-4DB8-9C6B-D6C7DFDC589F}" vid="{4A3C46E8-61CC-4603-A589-7422A47A8E4A}"/>
+      <thm15:themeFamily xmlns:thm15="http://schemas.microsoft.com/office/thememl/2012/main" xmlns="" name="Office Theme" id="{62F939B6-93AF-4DB8-9C6B-D6C7DFDC589F}" vid="{4A3C46E8-61CC-4603-A589-7422A47A8E4A}"/>
     </a:ext>
   </a:extLst>
 </a:theme>
